--- a/Anotacoes.pptx
+++ b/Anotacoes.pptx
@@ -294,7 +294,7 @@
           <a:p>
             <a:fld id="{75696420-594C-47DC-93F5-F928CBBB7E2B}" type="datetimeFigureOut">
               <a:rPr lang="pt-BR" smtClean="0"/>
-              <a:t>02/06/2021</a:t>
+              <a:t>07/06/2021</a:t>
             </a:fld>
             <a:endParaRPr lang="pt-BR"/>
           </a:p>
@@ -464,7 +464,7 @@
           <a:p>
             <a:fld id="{75696420-594C-47DC-93F5-F928CBBB7E2B}" type="datetimeFigureOut">
               <a:rPr lang="pt-BR" smtClean="0"/>
-              <a:t>02/06/2021</a:t>
+              <a:t>07/06/2021</a:t>
             </a:fld>
             <a:endParaRPr lang="pt-BR"/>
           </a:p>
@@ -644,7 +644,7 @@
           <a:p>
             <a:fld id="{75696420-594C-47DC-93F5-F928CBBB7E2B}" type="datetimeFigureOut">
               <a:rPr lang="pt-BR" smtClean="0"/>
-              <a:t>02/06/2021</a:t>
+              <a:t>07/06/2021</a:t>
             </a:fld>
             <a:endParaRPr lang="pt-BR"/>
           </a:p>
@@ -814,7 +814,7 @@
           <a:p>
             <a:fld id="{75696420-594C-47DC-93F5-F928CBBB7E2B}" type="datetimeFigureOut">
               <a:rPr lang="pt-BR" smtClean="0"/>
-              <a:t>02/06/2021</a:t>
+              <a:t>07/06/2021</a:t>
             </a:fld>
             <a:endParaRPr lang="pt-BR"/>
           </a:p>
@@ -1060,7 +1060,7 @@
           <a:p>
             <a:fld id="{75696420-594C-47DC-93F5-F928CBBB7E2B}" type="datetimeFigureOut">
               <a:rPr lang="pt-BR" smtClean="0"/>
-              <a:t>02/06/2021</a:t>
+              <a:t>07/06/2021</a:t>
             </a:fld>
             <a:endParaRPr lang="pt-BR"/>
           </a:p>
@@ -1348,7 +1348,7 @@
           <a:p>
             <a:fld id="{75696420-594C-47DC-93F5-F928CBBB7E2B}" type="datetimeFigureOut">
               <a:rPr lang="pt-BR" smtClean="0"/>
-              <a:t>02/06/2021</a:t>
+              <a:t>07/06/2021</a:t>
             </a:fld>
             <a:endParaRPr lang="pt-BR"/>
           </a:p>
@@ -1770,7 +1770,7 @@
           <a:p>
             <a:fld id="{75696420-594C-47DC-93F5-F928CBBB7E2B}" type="datetimeFigureOut">
               <a:rPr lang="pt-BR" smtClean="0"/>
-              <a:t>02/06/2021</a:t>
+              <a:t>07/06/2021</a:t>
             </a:fld>
             <a:endParaRPr lang="pt-BR"/>
           </a:p>
@@ -1888,7 +1888,7 @@
           <a:p>
             <a:fld id="{75696420-594C-47DC-93F5-F928CBBB7E2B}" type="datetimeFigureOut">
               <a:rPr lang="pt-BR" smtClean="0"/>
-              <a:t>02/06/2021</a:t>
+              <a:t>07/06/2021</a:t>
             </a:fld>
             <a:endParaRPr lang="pt-BR"/>
           </a:p>
@@ -1983,7 +1983,7 @@
           <a:p>
             <a:fld id="{75696420-594C-47DC-93F5-F928CBBB7E2B}" type="datetimeFigureOut">
               <a:rPr lang="pt-BR" smtClean="0"/>
-              <a:t>02/06/2021</a:t>
+              <a:t>07/06/2021</a:t>
             </a:fld>
             <a:endParaRPr lang="pt-BR"/>
           </a:p>
@@ -2260,7 +2260,7 @@
           <a:p>
             <a:fld id="{75696420-594C-47DC-93F5-F928CBBB7E2B}" type="datetimeFigureOut">
               <a:rPr lang="pt-BR" smtClean="0"/>
-              <a:t>02/06/2021</a:t>
+              <a:t>07/06/2021</a:t>
             </a:fld>
             <a:endParaRPr lang="pt-BR"/>
           </a:p>
@@ -2513,7 +2513,7 @@
           <a:p>
             <a:fld id="{75696420-594C-47DC-93F5-F928CBBB7E2B}" type="datetimeFigureOut">
               <a:rPr lang="pt-BR" smtClean="0"/>
-              <a:t>02/06/2021</a:t>
+              <a:t>07/06/2021</a:t>
             </a:fld>
             <a:endParaRPr lang="pt-BR"/>
           </a:p>
@@ -2726,7 +2726,7 @@
           <a:p>
             <a:fld id="{75696420-594C-47DC-93F5-F928CBBB7E2B}" type="datetimeFigureOut">
               <a:rPr lang="pt-BR" smtClean="0"/>
-              <a:t>02/06/2021</a:t>
+              <a:t>07/06/2021</a:t>
             </a:fld>
             <a:endParaRPr lang="pt-BR"/>
           </a:p>
@@ -5336,8 +5336,9 @@
             </a:pPr>
             <a:r>
               <a:rPr lang="pt-BR" sz="2400" dirty="0" smtClean="0"/>
-              <a:t>???</a:t>
-            </a:r>
+              <a:t>Herança</a:t>
+            </a:r>
+            <a:endParaRPr lang="pt-BR" sz="2400" dirty="0" smtClean="0"/>
           </a:p>
           <a:p>
             <a:pPr marL="457200" indent="-457200">
@@ -5346,8 +5347,9 @@
             </a:pPr>
             <a:r>
               <a:rPr lang="pt-BR" sz="2400" dirty="0" smtClean="0"/>
-              <a:t>???</a:t>
-            </a:r>
+              <a:t>Polimorfismo</a:t>
+            </a:r>
+            <a:endParaRPr lang="pt-BR" sz="2400" dirty="0" smtClean="0"/>
           </a:p>
           <a:p>
             <a:pPr marL="457200" indent="-457200">
